--- a/Assets/Backgrounds.pptx
+++ b/Assets/Backgrounds.pptx
@@ -6220,6 +6220,65 @@
           </a:prstGeom>
         </p:spPr>
       </p:pic>
+      <p:sp>
+        <p:nvSpPr>
+          <p:cNvPr id="5" name="Retângulo: Cantos Arredondados 4">
+            <a:extLst>
+              <a:ext uri="{FF2B5EF4-FFF2-40B4-BE49-F238E27FC236}">
+                <a16:creationId xmlns:a16="http://schemas.microsoft.com/office/drawing/2014/main" id="{23BE0402-DE40-80E1-3086-C1FEA8DAAD0D}"/>
+              </a:ext>
+            </a:extLst>
+          </p:cNvPr>
+          <p:cNvSpPr/>
+          <p:nvPr/>
+        </p:nvSpPr>
+        <p:spPr>
+          <a:xfrm>
+            <a:off x="12224277" y="383484"/>
+            <a:ext cx="2775409" cy="2169345"/>
+          </a:xfrm>
+          <a:prstGeom prst="roundRect">
+            <a:avLst>
+              <a:gd name="adj" fmla="val 17481"/>
+            </a:avLst>
+          </a:prstGeom>
+          <a:solidFill>
+            <a:schemeClr val="bg1"/>
+          </a:solidFill>
+          <a:ln>
+            <a:noFill/>
+          </a:ln>
+          <a:effectLst>
+            <a:outerShdw blurRad="50800" dist="38100" dir="5400000" algn="t" rotWithShape="0">
+              <a:srgbClr val="001963"/>
+            </a:outerShdw>
+          </a:effectLst>
+        </p:spPr>
+        <p:style>
+          <a:lnRef idx="2">
+            <a:schemeClr val="accent1">
+              <a:shade val="50000"/>
+            </a:schemeClr>
+          </a:lnRef>
+          <a:fillRef idx="1">
+            <a:schemeClr val="accent1"/>
+          </a:fillRef>
+          <a:effectRef idx="0">
+            <a:schemeClr val="accent1"/>
+          </a:effectRef>
+          <a:fontRef idx="minor">
+            <a:schemeClr val="lt1"/>
+          </a:fontRef>
+        </p:style>
+        <p:txBody>
+          <a:bodyPr rtlCol="0" anchor="ctr"/>
+          <a:lstStyle/>
+          <a:p>
+            <a:pPr algn="ctr"/>
+            <a:endParaRPr lang="pt-BR" sz="4050"/>
+          </a:p>
+        </p:txBody>
+      </p:sp>
     </p:spTree>
     <p:extLst>
       <p:ext uri="{BB962C8B-B14F-4D97-AF65-F5344CB8AC3E}">

--- a/Assets/Backgrounds.pptx
+++ b/Assets/Backgrounds.pptx
@@ -4593,7 +4593,7 @@
         </p:nvSpPr>
         <p:spPr>
           <a:xfrm>
-            <a:off x="200138" y="3120466"/>
+            <a:off x="203740" y="3120465"/>
             <a:ext cx="2405283" cy="7000079"/>
           </a:xfrm>
           <a:prstGeom prst="roundRect">
@@ -5657,10 +5657,10 @@
       </p:sp>
       <p:sp>
         <p:nvSpPr>
-          <p:cNvPr id="3" name="Retângulo: Cantos Arredondados 2">
+          <p:cNvPr id="7" name="Retângulo: Cantos Arredondados 6">
             <a:extLst>
               <a:ext uri="{FF2B5EF4-FFF2-40B4-BE49-F238E27FC236}">
-                <a16:creationId xmlns:a16="http://schemas.microsoft.com/office/drawing/2014/main" id="{8554A070-083D-1534-795C-3B8C68DF8DD5}"/>
+                <a16:creationId xmlns:a16="http://schemas.microsoft.com/office/drawing/2014/main" id="{BBB72614-CC4E-65C0-92FC-7FE9BDF9744C}"/>
               </a:ext>
             </a:extLst>
           </p:cNvPr>
@@ -5669,8 +5669,8 @@
         </p:nvSpPr>
         <p:spPr>
           <a:xfrm>
-            <a:off x="203738" y="213803"/>
-            <a:ext cx="2405285" cy="3440463"/>
+            <a:off x="203947" y="3382464"/>
+            <a:ext cx="2040206" cy="1155620"/>
           </a:xfrm>
           <a:prstGeom prst="roundRect">
             <a:avLst>
@@ -5717,16 +5717,16 @@
           <a:lstStyle/>
           <a:p>
             <a:pPr algn="ctr"/>
-            <a:endParaRPr lang="pt-BR" sz="4050" dirty="0"/>
-          </a:p>
-        </p:txBody>
-      </p:sp>
-      <p:sp>
-        <p:nvSpPr>
-          <p:cNvPr id="6" name="Retângulo: Cantos Arredondados 5">
+            <a:endParaRPr lang="pt-BR" sz="4050"/>
+          </a:p>
+        </p:txBody>
+      </p:sp>
+      <p:sp>
+        <p:nvSpPr>
+          <p:cNvPr id="3" name="Retângulo: Cantos Arredondados 2">
             <a:extLst>
               <a:ext uri="{FF2B5EF4-FFF2-40B4-BE49-F238E27FC236}">
-                <a16:creationId xmlns:a16="http://schemas.microsoft.com/office/drawing/2014/main" id="{997930E4-E62C-A4B7-79A2-538AB361714F}"/>
+                <a16:creationId xmlns:a16="http://schemas.microsoft.com/office/drawing/2014/main" id="{8554A070-083D-1534-795C-3B8C68DF8DD5}"/>
               </a:ext>
             </a:extLst>
           </p:cNvPr>
@@ -5735,8 +5735,8 @@
         </p:nvSpPr>
         <p:spPr>
           <a:xfrm>
-            <a:off x="200138" y="4221902"/>
-            <a:ext cx="2405283" cy="5898643"/>
+            <a:off x="203738" y="213803"/>
+            <a:ext cx="2405285" cy="3440463"/>
           </a:xfrm>
           <a:prstGeom prst="roundRect">
             <a:avLst>
@@ -5783,16 +5783,16 @@
           <a:lstStyle/>
           <a:p>
             <a:pPr algn="ctr"/>
-            <a:endParaRPr lang="pt-BR" sz="4050"/>
-          </a:p>
-        </p:txBody>
-      </p:sp>
-      <p:sp>
-        <p:nvSpPr>
-          <p:cNvPr id="7" name="Retângulo: Cantos Arredondados 6">
+            <a:endParaRPr lang="pt-BR" sz="4050" dirty="0"/>
+          </a:p>
+        </p:txBody>
+      </p:sp>
+      <p:sp>
+        <p:nvSpPr>
+          <p:cNvPr id="6" name="Retângulo: Cantos Arredondados 5">
             <a:extLst>
               <a:ext uri="{FF2B5EF4-FFF2-40B4-BE49-F238E27FC236}">
-                <a16:creationId xmlns:a16="http://schemas.microsoft.com/office/drawing/2014/main" id="{BBB72614-CC4E-65C0-92FC-7FE9BDF9744C}"/>
+                <a16:creationId xmlns:a16="http://schemas.microsoft.com/office/drawing/2014/main" id="{997930E4-E62C-A4B7-79A2-538AB361714F}"/>
               </a:ext>
             </a:extLst>
           </p:cNvPr>
@@ -5801,8 +5801,8 @@
         </p:nvSpPr>
         <p:spPr>
           <a:xfrm>
-            <a:off x="203947" y="3382464"/>
-            <a:ext cx="2040206" cy="1155620"/>
+            <a:off x="200136" y="4221902"/>
+            <a:ext cx="2405283" cy="5898643"/>
           </a:xfrm>
           <a:prstGeom prst="roundRect">
             <a:avLst>
@@ -6908,7 +6908,7 @@
         </p:nvSpPr>
         <p:spPr>
           <a:xfrm>
-            <a:off x="200138" y="5364901"/>
+            <a:off x="199553" y="5364901"/>
             <a:ext cx="2405283" cy="4755644"/>
           </a:xfrm>
           <a:prstGeom prst="roundRect">
